--- a/Python Scripts/PPT/PyFC_1.pptx
+++ b/Python Scripts/PPT/PyFC_1.pptx
@@ -12,8 +12,6 @@
   </p:handoutMasterIdLst>
   <p:sldIdLst>
     <p:sldId id="256" r:id="rId17"/>
-    <p:sldId id="257" r:id="rId18"/>
-    <p:sldId id="258" r:id="rId19"/>
   </p:sldIdLst>
   <p:sldSz cx="12192000" cy="6858000"/>
   <p:notesSz cx="6858000" cy="9144000"/>
@@ -1877,7 +1875,7 @@
 
 <file path=ppt/slides/slide1.xml><?xml version="1.0" encoding="utf-8"?>
 <p:sld xmlns:a="http://schemas.openxmlformats.org/drawingml/2006/main" xmlns:p="http://schemas.openxmlformats.org/presentationml/2006/main" xmlns:r="http://schemas.openxmlformats.org/officeDocument/2006/relationships">
-  <p:cSld name="hello">
+  <p:cSld name="pdf">
     <p:spTree>
       <p:nvGrpSpPr>
         <p:cNvPr id="1" name=""/>
@@ -1901,85 +1899,7 @@
           <a:lstStyle/>
           <a:p>
             <a:r>
-              <a:t>hello</a:t>
-            </a:r>
-          </a:p>
-        </p:txBody>
-      </p:sp>
-    </p:spTree>
-  </p:cSld>
-  <p:clrMapOvr>
-    <a:masterClrMapping/>
-  </p:clrMapOvr>
-</p:sld>
-</file>
-
-<file path=ppt/slides/slide2.xml><?xml version="1.0" encoding="utf-8"?>
-<p:sld xmlns:a="http://schemas.openxmlformats.org/drawingml/2006/main" xmlns:p="http://schemas.openxmlformats.org/presentationml/2006/main" xmlns:r="http://schemas.openxmlformats.org/officeDocument/2006/relationships">
-  <p:cSld name="there">
-    <p:spTree>
-      <p:nvGrpSpPr>
-        <p:cNvPr id="1" name=""/>
-        <p:cNvGrpSpPr/>
-        <p:nvPr/>
-      </p:nvGrpSpPr>
-      <p:grpSpPr/>
-      <p:sp>
-        <p:nvSpPr>
-          <p:cNvPr id="2" name="Text Placeholder 1"/>
-          <p:cNvSpPr>
-            <a:spLocks noGrp="1"/>
-          </p:cNvSpPr>
-          <p:nvPr>
-            <p:ph type="body" idx="10" sz="quarter"/>
-          </p:nvPr>
-        </p:nvSpPr>
-        <p:spPr/>
-        <p:txBody>
-          <a:bodyPr/>
-          <a:lstStyle/>
-          <a:p>
-            <a:r>
-              <a:t>there</a:t>
-            </a:r>
-          </a:p>
-        </p:txBody>
-      </p:sp>
-    </p:spTree>
-  </p:cSld>
-  <p:clrMapOvr>
-    <a:masterClrMapping/>
-  </p:clrMapOvr>
-</p:sld>
-</file>
-
-<file path=ppt/slides/slide3.xml><?xml version="1.0" encoding="utf-8"?>
-<p:sld xmlns:a="http://schemas.openxmlformats.org/drawingml/2006/main" xmlns:p="http://schemas.openxmlformats.org/presentationml/2006/main" xmlns:r="http://schemas.openxmlformats.org/officeDocument/2006/relationships">
-  <p:cSld name="how">
-    <p:spTree>
-      <p:nvGrpSpPr>
-        <p:cNvPr id="1" name=""/>
-        <p:cNvGrpSpPr/>
-        <p:nvPr/>
-      </p:nvGrpSpPr>
-      <p:grpSpPr/>
-      <p:sp>
-        <p:nvSpPr>
-          <p:cNvPr id="2" name="Text Placeholder 1"/>
-          <p:cNvSpPr>
-            <a:spLocks noGrp="1"/>
-          </p:cNvSpPr>
-          <p:nvPr>
-            <p:ph type="body" idx="10" sz="quarter"/>
-          </p:nvPr>
-        </p:nvSpPr>
-        <p:spPr/>
-        <p:txBody>
-          <a:bodyPr/>
-          <a:lstStyle/>
-          <a:p>
-            <a:r>
-              <a:t>how</a:t>
+              <a:t>pdf</a:t>
             </a:r>
           </a:p>
         </p:txBody>
